--- a/java9.pptx
+++ b/java9.pptx
@@ -8,6 +8,7 @@
     <p:sldId id="256" r:id="rId2"/>
     <p:sldId id="257" r:id="rId3"/>
     <p:sldId id="258" r:id="rId4"/>
+    <p:sldId id="259" r:id="rId5"/>
   </p:sldIdLst>
   <p:sldSz cx="12192000" cy="6858000"/>
   <p:notesSz cx="6858000" cy="9144000"/>
@@ -245,7 +246,7 @@
           <a:p>
             <a:fld id="{5CB64A52-B668-4BDF-ABBD-619ACD66ADAA}" type="datetimeFigureOut">
               <a:rPr lang="fr-FR" smtClean="0"/>
-              <a:t>10/11/2017</a:t>
+              <a:t>14/11/2017</a:t>
             </a:fld>
             <a:endParaRPr lang="fr-FR"/>
           </a:p>
@@ -415,7 +416,7 @@
           <a:p>
             <a:fld id="{5CB64A52-B668-4BDF-ABBD-619ACD66ADAA}" type="datetimeFigureOut">
               <a:rPr lang="fr-FR" smtClean="0"/>
-              <a:t>10/11/2017</a:t>
+              <a:t>14/11/2017</a:t>
             </a:fld>
             <a:endParaRPr lang="fr-FR"/>
           </a:p>
@@ -595,7 +596,7 @@
           <a:p>
             <a:fld id="{5CB64A52-B668-4BDF-ABBD-619ACD66ADAA}" type="datetimeFigureOut">
               <a:rPr lang="fr-FR" smtClean="0"/>
-              <a:t>10/11/2017</a:t>
+              <a:t>14/11/2017</a:t>
             </a:fld>
             <a:endParaRPr lang="fr-FR"/>
           </a:p>
@@ -765,7 +766,7 @@
           <a:p>
             <a:fld id="{5CB64A52-B668-4BDF-ABBD-619ACD66ADAA}" type="datetimeFigureOut">
               <a:rPr lang="fr-FR" smtClean="0"/>
-              <a:t>10/11/2017</a:t>
+              <a:t>14/11/2017</a:t>
             </a:fld>
             <a:endParaRPr lang="fr-FR"/>
           </a:p>
@@ -1011,7 +1012,7 @@
           <a:p>
             <a:fld id="{5CB64A52-B668-4BDF-ABBD-619ACD66ADAA}" type="datetimeFigureOut">
               <a:rPr lang="fr-FR" smtClean="0"/>
-              <a:t>10/11/2017</a:t>
+              <a:t>14/11/2017</a:t>
             </a:fld>
             <a:endParaRPr lang="fr-FR"/>
           </a:p>
@@ -1243,7 +1244,7 @@
           <a:p>
             <a:fld id="{5CB64A52-B668-4BDF-ABBD-619ACD66ADAA}" type="datetimeFigureOut">
               <a:rPr lang="fr-FR" smtClean="0"/>
-              <a:t>10/11/2017</a:t>
+              <a:t>14/11/2017</a:t>
             </a:fld>
             <a:endParaRPr lang="fr-FR"/>
           </a:p>
@@ -1610,7 +1611,7 @@
           <a:p>
             <a:fld id="{5CB64A52-B668-4BDF-ABBD-619ACD66ADAA}" type="datetimeFigureOut">
               <a:rPr lang="fr-FR" smtClean="0"/>
-              <a:t>10/11/2017</a:t>
+              <a:t>14/11/2017</a:t>
             </a:fld>
             <a:endParaRPr lang="fr-FR"/>
           </a:p>
@@ -1728,7 +1729,7 @@
           <a:p>
             <a:fld id="{5CB64A52-B668-4BDF-ABBD-619ACD66ADAA}" type="datetimeFigureOut">
               <a:rPr lang="fr-FR" smtClean="0"/>
-              <a:t>10/11/2017</a:t>
+              <a:t>14/11/2017</a:t>
             </a:fld>
             <a:endParaRPr lang="fr-FR"/>
           </a:p>
@@ -1823,7 +1824,7 @@
           <a:p>
             <a:fld id="{5CB64A52-B668-4BDF-ABBD-619ACD66ADAA}" type="datetimeFigureOut">
               <a:rPr lang="fr-FR" smtClean="0"/>
-              <a:t>10/11/2017</a:t>
+              <a:t>14/11/2017</a:t>
             </a:fld>
             <a:endParaRPr lang="fr-FR"/>
           </a:p>
@@ -2100,7 +2101,7 @@
           <a:p>
             <a:fld id="{5CB64A52-B668-4BDF-ABBD-619ACD66ADAA}" type="datetimeFigureOut">
               <a:rPr lang="fr-FR" smtClean="0"/>
-              <a:t>10/11/2017</a:t>
+              <a:t>14/11/2017</a:t>
             </a:fld>
             <a:endParaRPr lang="fr-FR"/>
           </a:p>
@@ -2353,7 +2354,7 @@
           <a:p>
             <a:fld id="{5CB64A52-B668-4BDF-ABBD-619ACD66ADAA}" type="datetimeFigureOut">
               <a:rPr lang="fr-FR" smtClean="0"/>
-              <a:t>10/11/2017</a:t>
+              <a:t>14/11/2017</a:t>
             </a:fld>
             <a:endParaRPr lang="fr-FR"/>
           </a:p>
@@ -2566,7 +2567,7 @@
           <a:p>
             <a:fld id="{5CB64A52-B668-4BDF-ABBD-619ACD66ADAA}" type="datetimeFigureOut">
               <a:rPr lang="fr-FR" smtClean="0"/>
-              <a:t>10/11/2017</a:t>
+              <a:t>14/11/2017</a:t>
             </a:fld>
             <a:endParaRPr lang="fr-FR"/>
           </a:p>
@@ -3421,6 +3422,199 @@
 </p:sld>
 </file>
 
+<file path=ppt/slides/slide4.xml><?xml version="1.0" encoding="utf-8"?>
+<p:sld xmlns:a="http://schemas.openxmlformats.org/drawingml/2006/main" xmlns:r="http://schemas.openxmlformats.org/officeDocument/2006/relationships" xmlns:p="http://schemas.openxmlformats.org/presentationml/2006/main">
+  <p:cSld>
+    <p:spTree>
+      <p:nvGrpSpPr>
+        <p:cNvPr id="1" name=""/>
+        <p:cNvGrpSpPr/>
+        <p:nvPr/>
+      </p:nvGrpSpPr>
+      <p:grpSpPr>
+        <a:xfrm>
+          <a:off x="0" y="0"/>
+          <a:ext cx="0" cy="0"/>
+          <a:chOff x="0" y="0"/>
+          <a:chExt cx="0" cy="0"/>
+        </a:xfrm>
+      </p:grpSpPr>
+      <p:sp>
+        <p:nvSpPr>
+          <p:cNvPr id="4" name="ZoneTexte 3"/>
+          <p:cNvSpPr txBox="1"/>
+          <p:nvPr/>
+        </p:nvSpPr>
+        <p:spPr>
+          <a:xfrm>
+            <a:off x="1307592" y="704088"/>
+            <a:ext cx="9592056" cy="4247317"/>
+          </a:xfrm>
+          <a:prstGeom prst="rect">
+            <a:avLst/>
+          </a:prstGeom>
+          <a:noFill/>
+        </p:spPr>
+        <p:txBody>
+          <a:bodyPr wrap="square" rtlCol="0">
+            <a:spAutoFit/>
+          </a:bodyPr>
+          <a:lstStyle/>
+          <a:p>
+            <a:pPr algn="ctr"/>
+            <a:endParaRPr lang="en-US" dirty="0" smtClean="0"/>
+          </a:p>
+          <a:p>
+            <a:pPr marL="285750" indent="-285750">
+              <a:buFont typeface="Arial" panose="020B0604020202020204" pitchFamily="34" charset="0"/>
+              <a:buChar char="•"/>
+            </a:pPr>
+            <a:endParaRPr lang="en-US" dirty="0"/>
+          </a:p>
+          <a:p>
+            <a:endParaRPr lang="en-US" dirty="0"/>
+          </a:p>
+          <a:p>
+            <a:pPr marL="285750" indent="-285750">
+              <a:buFont typeface="Arial" panose="020B0604020202020204" pitchFamily="34" charset="0"/>
+              <a:buChar char="•"/>
+            </a:pPr>
+            <a:r>
+              <a:rPr lang="en-US" dirty="0"/>
+              <a:t>Public only within the defining </a:t>
+            </a:r>
+            <a:r>
+              <a:rPr lang="en-US" dirty="0" smtClean="0"/>
+              <a:t>module (No exports)</a:t>
+            </a:r>
+          </a:p>
+          <a:p>
+            <a:endParaRPr lang="en-US" dirty="0"/>
+          </a:p>
+          <a:p>
+            <a:pPr marL="285750" indent="-285750">
+              <a:buFont typeface="Arial" panose="020B0604020202020204" pitchFamily="34" charset="0"/>
+              <a:buChar char="•"/>
+            </a:pPr>
+            <a:r>
+              <a:rPr lang="en-US" dirty="0"/>
+              <a:t>Public only to specific </a:t>
+            </a:r>
+            <a:r>
+              <a:rPr lang="en-US" dirty="0" smtClean="0"/>
+              <a:t>modules (exports to a specific module)</a:t>
+            </a:r>
+          </a:p>
+          <a:p>
+            <a:endParaRPr lang="en-US" dirty="0"/>
+          </a:p>
+          <a:p>
+            <a:pPr marL="285750" indent="-285750">
+              <a:buFont typeface="Arial" panose="020B0604020202020204" pitchFamily="34" charset="0"/>
+              <a:buChar char="•"/>
+            </a:pPr>
+            <a:r>
+              <a:rPr lang="en-US" dirty="0"/>
+              <a:t>Public to </a:t>
+            </a:r>
+            <a:r>
+              <a:rPr lang="en-US" dirty="0" smtClean="0"/>
+              <a:t>everyone (exports)</a:t>
+            </a:r>
+          </a:p>
+          <a:p>
+            <a:pPr marL="285750" indent="-285750">
+              <a:buFont typeface="Arial" panose="020B0604020202020204" pitchFamily="34" charset="0"/>
+              <a:buChar char="•"/>
+            </a:pPr>
+            <a:endParaRPr lang="en-US" dirty="0"/>
+          </a:p>
+          <a:p>
+            <a:pPr marL="285750" indent="-285750">
+              <a:buFont typeface="Arial" panose="020B0604020202020204" pitchFamily="34" charset="0"/>
+              <a:buChar char="•"/>
+            </a:pPr>
+            <a:r>
+              <a:rPr lang="en-US" dirty="0"/>
+              <a:t>E</a:t>
+            </a:r>
+            <a:r>
+              <a:rPr lang="en-US" dirty="0" smtClean="0"/>
+              <a:t>xported </a:t>
+            </a:r>
+            <a:r>
+              <a:rPr lang="en-US" dirty="0"/>
+              <a:t>package: </a:t>
+            </a:r>
+            <a:r>
+              <a:rPr lang="en-US" dirty="0" smtClean="0"/>
+              <a:t>access </a:t>
+            </a:r>
+            <a:r>
+              <a:rPr lang="en-US" dirty="0"/>
+              <a:t>to only public types and their public </a:t>
+            </a:r>
+            <a:r>
+              <a:rPr lang="en-US" dirty="0" smtClean="0"/>
+              <a:t>members at </a:t>
+            </a:r>
+            <a:r>
+              <a:rPr lang="en-US" dirty="0"/>
+              <a:t>compile-time and runtime. </a:t>
+            </a:r>
+            <a:endParaRPr lang="en-US" dirty="0" smtClean="0"/>
+          </a:p>
+          <a:p>
+            <a:endParaRPr lang="en-US" dirty="0"/>
+          </a:p>
+          <a:p>
+            <a:pPr marL="285750" indent="-285750">
+              <a:buFont typeface="Arial" panose="020B0604020202020204" pitchFamily="34" charset="0"/>
+              <a:buChar char="•"/>
+            </a:pPr>
+            <a:r>
+              <a:rPr lang="en-US" dirty="0" smtClean="0"/>
+              <a:t>Open </a:t>
+            </a:r>
+            <a:r>
+              <a:rPr lang="en-US" dirty="0"/>
+              <a:t>module: allow deep reflection on all types in all packages in </a:t>
+            </a:r>
+            <a:r>
+              <a:rPr lang="en-US" dirty="0" smtClean="0"/>
+              <a:t>that module </a:t>
+            </a:r>
+            <a:r>
+              <a:rPr lang="en-US" dirty="0"/>
+              <a:t>at runtime (possibility to open only one or more packages).</a:t>
+            </a:r>
+            <a:endParaRPr lang="en-US" dirty="0" smtClean="0"/>
+          </a:p>
+          <a:p>
+            <a:endParaRPr lang="en-US" dirty="0"/>
+          </a:p>
+        </p:txBody>
+      </p:sp>
+    </p:spTree>
+    <p:extLst>
+      <p:ext uri="{BB962C8B-B14F-4D97-AF65-F5344CB8AC3E}">
+        <p14:creationId xmlns:p14="http://schemas.microsoft.com/office/powerpoint/2010/main" val="3258970782"/>
+      </p:ext>
+    </p:extLst>
+  </p:cSld>
+  <p:clrMapOvr>
+    <a:masterClrMapping/>
+  </p:clrMapOvr>
+  <p:timing>
+    <p:tnLst>
+      <p:par>
+        <p:cTn id="1" dur="indefinite" restart="never" nodeType="tmRoot"/>
+      </p:par>
+    </p:tnLst>
+  </p:timing>
+</p:sld>
+</file>
+
 <file path=ppt/theme/theme1.xml><?xml version="1.0" encoding="utf-8"?>
 <a:theme xmlns:a="http://schemas.openxmlformats.org/drawingml/2006/main" name="Thème Office">
   <a:themeElements>

--- a/java9.pptx
+++ b/java9.pptx
@@ -9,6 +9,9 @@
     <p:sldId id="257" r:id="rId3"/>
     <p:sldId id="258" r:id="rId4"/>
     <p:sldId id="259" r:id="rId5"/>
+    <p:sldId id="260" r:id="rId6"/>
+    <p:sldId id="261" r:id="rId7"/>
+    <p:sldId id="262" r:id="rId8"/>
   </p:sldIdLst>
   <p:sldSz cx="12192000" cy="6858000"/>
   <p:notesSz cx="6858000" cy="9144000"/>
@@ -115,6 +118,10 @@
 </p:presentation>
 </file>
 
+<file path=ppt/revisionInfo.xml><?xml version="1.0" encoding="utf-8"?>
+<p1510:revInfo xmlns:a="http://schemas.openxmlformats.org/drawingml/2006/main" xmlns:r="http://schemas.openxmlformats.org/officeDocument/2006/relationships" xmlns:p1510="http://schemas.microsoft.com/office/powerpoint/2015/10/main"/>
+</file>
+
 <file path=ppt/slideLayouts/slideLayout1.xml><?xml version="1.0" encoding="utf-8"?>
 <p:sldLayout xmlns:a="http://schemas.openxmlformats.org/drawingml/2006/main" xmlns:r="http://schemas.openxmlformats.org/officeDocument/2006/relationships" xmlns:p="http://schemas.openxmlformats.org/presentationml/2006/main" type="title" preserve="1">
   <p:cSld name="Diapositive de titre">
@@ -157,10 +164,9 @@
           </a:lstStyle>
           <a:p>
             <a:r>
-              <a:rPr lang="fr-FR" smtClean="0"/>
+              <a:rPr lang="fr-FR"/>
               <a:t>Modifiez le style du titre</a:t>
             </a:r>
-            <a:endParaRPr lang="fr-FR"/>
           </a:p>
         </p:txBody>
       </p:sp>
@@ -222,10 +228,9 @@
           </a:lstStyle>
           <a:p>
             <a:r>
-              <a:rPr lang="fr-FR" smtClean="0"/>
+              <a:rPr lang="fr-FR"/>
               <a:t>Modifiez le style des sous-titres du masque</a:t>
             </a:r>
-            <a:endParaRPr lang="fr-FR"/>
           </a:p>
         </p:txBody>
       </p:sp>
@@ -246,7 +251,7 @@
           <a:p>
             <a:fld id="{5CB64A52-B668-4BDF-ABBD-619ACD66ADAA}" type="datetimeFigureOut">
               <a:rPr lang="fr-FR" smtClean="0"/>
-              <a:t>14/11/2017</a:t>
+              <a:t>19/06/2018</a:t>
             </a:fld>
             <a:endParaRPr lang="fr-FR"/>
           </a:p>
@@ -340,10 +345,9 @@
           <a:lstStyle/>
           <a:p>
             <a:r>
-              <a:rPr lang="fr-FR" smtClean="0"/>
+              <a:rPr lang="fr-FR"/>
               <a:t>Modifiez le style du titre</a:t>
             </a:r>
-            <a:endParaRPr lang="fr-FR"/>
           </a:p>
         </p:txBody>
       </p:sp>
@@ -364,38 +368,37 @@
           <a:p>
             <a:pPr lvl="0"/>
             <a:r>
-              <a:rPr lang="fr-FR" smtClean="0"/>
+              <a:rPr lang="fr-FR"/>
               <a:t>Modifiez les styles du texte du masque</a:t>
             </a:r>
           </a:p>
           <a:p>
             <a:pPr lvl="1"/>
             <a:r>
-              <a:rPr lang="fr-FR" smtClean="0"/>
+              <a:rPr lang="fr-FR"/>
               <a:t>Deuxième niveau</a:t>
             </a:r>
           </a:p>
           <a:p>
             <a:pPr lvl="2"/>
             <a:r>
-              <a:rPr lang="fr-FR" smtClean="0"/>
+              <a:rPr lang="fr-FR"/>
               <a:t>Troisième niveau</a:t>
             </a:r>
           </a:p>
           <a:p>
             <a:pPr lvl="3"/>
             <a:r>
-              <a:rPr lang="fr-FR" smtClean="0"/>
+              <a:rPr lang="fr-FR"/>
               <a:t>Quatrième niveau</a:t>
             </a:r>
           </a:p>
           <a:p>
             <a:pPr lvl="4"/>
             <a:r>
-              <a:rPr lang="fr-FR" smtClean="0"/>
+              <a:rPr lang="fr-FR"/>
               <a:t>Cinquième niveau</a:t>
             </a:r>
-            <a:endParaRPr lang="fr-FR"/>
           </a:p>
         </p:txBody>
       </p:sp>
@@ -416,7 +419,7 @@
           <a:p>
             <a:fld id="{5CB64A52-B668-4BDF-ABBD-619ACD66ADAA}" type="datetimeFigureOut">
               <a:rPr lang="fr-FR" smtClean="0"/>
-              <a:t>14/11/2017</a:t>
+              <a:t>19/06/2018</a:t>
             </a:fld>
             <a:endParaRPr lang="fr-FR"/>
           </a:p>
@@ -515,10 +518,9 @@
           <a:lstStyle/>
           <a:p>
             <a:r>
-              <a:rPr lang="fr-FR" smtClean="0"/>
+              <a:rPr lang="fr-FR"/>
               <a:t>Modifiez le style du titre</a:t>
             </a:r>
-            <a:endParaRPr lang="fr-FR"/>
           </a:p>
         </p:txBody>
       </p:sp>
@@ -544,38 +546,37 @@
           <a:p>
             <a:pPr lvl="0"/>
             <a:r>
-              <a:rPr lang="fr-FR" smtClean="0"/>
+              <a:rPr lang="fr-FR"/>
               <a:t>Modifiez les styles du texte du masque</a:t>
             </a:r>
           </a:p>
           <a:p>
             <a:pPr lvl="1"/>
             <a:r>
-              <a:rPr lang="fr-FR" smtClean="0"/>
+              <a:rPr lang="fr-FR"/>
               <a:t>Deuxième niveau</a:t>
             </a:r>
           </a:p>
           <a:p>
             <a:pPr lvl="2"/>
             <a:r>
-              <a:rPr lang="fr-FR" smtClean="0"/>
+              <a:rPr lang="fr-FR"/>
               <a:t>Troisième niveau</a:t>
             </a:r>
           </a:p>
           <a:p>
             <a:pPr lvl="3"/>
             <a:r>
-              <a:rPr lang="fr-FR" smtClean="0"/>
+              <a:rPr lang="fr-FR"/>
               <a:t>Quatrième niveau</a:t>
             </a:r>
           </a:p>
           <a:p>
             <a:pPr lvl="4"/>
             <a:r>
-              <a:rPr lang="fr-FR" smtClean="0"/>
+              <a:rPr lang="fr-FR"/>
               <a:t>Cinquième niveau</a:t>
             </a:r>
-            <a:endParaRPr lang="fr-FR"/>
           </a:p>
         </p:txBody>
       </p:sp>
@@ -596,7 +597,7 @@
           <a:p>
             <a:fld id="{5CB64A52-B668-4BDF-ABBD-619ACD66ADAA}" type="datetimeFigureOut">
               <a:rPr lang="fr-FR" smtClean="0"/>
-              <a:t>14/11/2017</a:t>
+              <a:t>19/06/2018</a:t>
             </a:fld>
             <a:endParaRPr lang="fr-FR"/>
           </a:p>
@@ -690,10 +691,9 @@
           <a:lstStyle/>
           <a:p>
             <a:r>
-              <a:rPr lang="fr-FR" smtClean="0"/>
+              <a:rPr lang="fr-FR"/>
               <a:t>Modifiez le style du titre</a:t>
             </a:r>
-            <a:endParaRPr lang="fr-FR"/>
           </a:p>
         </p:txBody>
       </p:sp>
@@ -714,38 +714,37 @@
           <a:p>
             <a:pPr lvl="0"/>
             <a:r>
-              <a:rPr lang="fr-FR" smtClean="0"/>
+              <a:rPr lang="fr-FR"/>
               <a:t>Modifiez les styles du texte du masque</a:t>
             </a:r>
           </a:p>
           <a:p>
             <a:pPr lvl="1"/>
             <a:r>
-              <a:rPr lang="fr-FR" smtClean="0"/>
+              <a:rPr lang="fr-FR"/>
               <a:t>Deuxième niveau</a:t>
             </a:r>
           </a:p>
           <a:p>
             <a:pPr lvl="2"/>
             <a:r>
-              <a:rPr lang="fr-FR" smtClean="0"/>
+              <a:rPr lang="fr-FR"/>
               <a:t>Troisième niveau</a:t>
             </a:r>
           </a:p>
           <a:p>
             <a:pPr lvl="3"/>
             <a:r>
-              <a:rPr lang="fr-FR" smtClean="0"/>
+              <a:rPr lang="fr-FR"/>
               <a:t>Quatrième niveau</a:t>
             </a:r>
           </a:p>
           <a:p>
             <a:pPr lvl="4"/>
             <a:r>
-              <a:rPr lang="fr-FR" smtClean="0"/>
+              <a:rPr lang="fr-FR"/>
               <a:t>Cinquième niveau</a:t>
             </a:r>
-            <a:endParaRPr lang="fr-FR"/>
           </a:p>
         </p:txBody>
       </p:sp>
@@ -766,7 +765,7 @@
           <a:p>
             <a:fld id="{5CB64A52-B668-4BDF-ABBD-619ACD66ADAA}" type="datetimeFigureOut">
               <a:rPr lang="fr-FR" smtClean="0"/>
-              <a:t>14/11/2017</a:t>
+              <a:t>19/06/2018</a:t>
             </a:fld>
             <a:endParaRPr lang="fr-FR"/>
           </a:p>
@@ -869,10 +868,9 @@
           </a:lstStyle>
           <a:p>
             <a:r>
-              <a:rPr lang="fr-FR" smtClean="0"/>
+              <a:rPr lang="fr-FR"/>
               <a:t>Modifiez le style du titre</a:t>
             </a:r>
-            <a:endParaRPr lang="fr-FR"/>
           </a:p>
         </p:txBody>
       </p:sp>
@@ -989,7 +987,7 @@
           <a:p>
             <a:pPr lvl="0"/>
             <a:r>
-              <a:rPr lang="fr-FR" smtClean="0"/>
+              <a:rPr lang="fr-FR"/>
               <a:t>Modifiez les styles du texte du masque</a:t>
             </a:r>
           </a:p>
@@ -1012,7 +1010,7 @@
           <a:p>
             <a:fld id="{5CB64A52-B668-4BDF-ABBD-619ACD66ADAA}" type="datetimeFigureOut">
               <a:rPr lang="fr-FR" smtClean="0"/>
-              <a:t>14/11/2017</a:t>
+              <a:t>19/06/2018</a:t>
             </a:fld>
             <a:endParaRPr lang="fr-FR"/>
           </a:p>
@@ -1106,10 +1104,9 @@
           <a:lstStyle/>
           <a:p>
             <a:r>
-              <a:rPr lang="fr-FR" smtClean="0"/>
+              <a:rPr lang="fr-FR"/>
               <a:t>Modifiez le style du titre</a:t>
             </a:r>
-            <a:endParaRPr lang="fr-FR"/>
           </a:p>
         </p:txBody>
       </p:sp>
@@ -1135,38 +1132,37 @@
           <a:p>
             <a:pPr lvl="0"/>
             <a:r>
-              <a:rPr lang="fr-FR" smtClean="0"/>
+              <a:rPr lang="fr-FR"/>
               <a:t>Modifiez les styles du texte du masque</a:t>
             </a:r>
           </a:p>
           <a:p>
             <a:pPr lvl="1"/>
             <a:r>
-              <a:rPr lang="fr-FR" smtClean="0"/>
+              <a:rPr lang="fr-FR"/>
               <a:t>Deuxième niveau</a:t>
             </a:r>
           </a:p>
           <a:p>
             <a:pPr lvl="2"/>
             <a:r>
-              <a:rPr lang="fr-FR" smtClean="0"/>
+              <a:rPr lang="fr-FR"/>
               <a:t>Troisième niveau</a:t>
             </a:r>
           </a:p>
           <a:p>
             <a:pPr lvl="3"/>
             <a:r>
-              <a:rPr lang="fr-FR" smtClean="0"/>
+              <a:rPr lang="fr-FR"/>
               <a:t>Quatrième niveau</a:t>
             </a:r>
           </a:p>
           <a:p>
             <a:pPr lvl="4"/>
             <a:r>
-              <a:rPr lang="fr-FR" smtClean="0"/>
+              <a:rPr lang="fr-FR"/>
               <a:t>Cinquième niveau</a:t>
             </a:r>
-            <a:endParaRPr lang="fr-FR"/>
           </a:p>
         </p:txBody>
       </p:sp>
@@ -1192,38 +1188,37 @@
           <a:p>
             <a:pPr lvl="0"/>
             <a:r>
-              <a:rPr lang="fr-FR" smtClean="0"/>
+              <a:rPr lang="fr-FR"/>
               <a:t>Modifiez les styles du texte du masque</a:t>
             </a:r>
           </a:p>
           <a:p>
             <a:pPr lvl="1"/>
             <a:r>
-              <a:rPr lang="fr-FR" smtClean="0"/>
+              <a:rPr lang="fr-FR"/>
               <a:t>Deuxième niveau</a:t>
             </a:r>
           </a:p>
           <a:p>
             <a:pPr lvl="2"/>
             <a:r>
-              <a:rPr lang="fr-FR" smtClean="0"/>
+              <a:rPr lang="fr-FR"/>
               <a:t>Troisième niveau</a:t>
             </a:r>
           </a:p>
           <a:p>
             <a:pPr lvl="3"/>
             <a:r>
-              <a:rPr lang="fr-FR" smtClean="0"/>
+              <a:rPr lang="fr-FR"/>
               <a:t>Quatrième niveau</a:t>
             </a:r>
           </a:p>
           <a:p>
             <a:pPr lvl="4"/>
             <a:r>
-              <a:rPr lang="fr-FR" smtClean="0"/>
+              <a:rPr lang="fr-FR"/>
               <a:t>Cinquième niveau</a:t>
             </a:r>
-            <a:endParaRPr lang="fr-FR"/>
           </a:p>
         </p:txBody>
       </p:sp>
@@ -1244,7 +1239,7 @@
           <a:p>
             <a:fld id="{5CB64A52-B668-4BDF-ABBD-619ACD66ADAA}" type="datetimeFigureOut">
               <a:rPr lang="fr-FR" smtClean="0"/>
-              <a:t>14/11/2017</a:t>
+              <a:t>19/06/2018</a:t>
             </a:fld>
             <a:endParaRPr lang="fr-FR"/>
           </a:p>
@@ -1343,10 +1338,9 @@
           <a:lstStyle/>
           <a:p>
             <a:r>
-              <a:rPr lang="fr-FR" smtClean="0"/>
+              <a:rPr lang="fr-FR"/>
               <a:t>Modifiez le style du titre</a:t>
             </a:r>
-            <a:endParaRPr lang="fr-FR"/>
           </a:p>
         </p:txBody>
       </p:sp>
@@ -1409,7 +1403,7 @@
           <a:p>
             <a:pPr lvl="0"/>
             <a:r>
-              <a:rPr lang="fr-FR" smtClean="0"/>
+              <a:rPr lang="fr-FR"/>
               <a:t>Modifiez les styles du texte du masque</a:t>
             </a:r>
           </a:p>
@@ -1437,38 +1431,37 @@
           <a:p>
             <a:pPr lvl="0"/>
             <a:r>
-              <a:rPr lang="fr-FR" smtClean="0"/>
+              <a:rPr lang="fr-FR"/>
               <a:t>Modifiez les styles du texte du masque</a:t>
             </a:r>
           </a:p>
           <a:p>
             <a:pPr lvl="1"/>
             <a:r>
-              <a:rPr lang="fr-FR" smtClean="0"/>
+              <a:rPr lang="fr-FR"/>
               <a:t>Deuxième niveau</a:t>
             </a:r>
           </a:p>
           <a:p>
             <a:pPr lvl="2"/>
             <a:r>
-              <a:rPr lang="fr-FR" smtClean="0"/>
+              <a:rPr lang="fr-FR"/>
               <a:t>Troisième niveau</a:t>
             </a:r>
           </a:p>
           <a:p>
             <a:pPr lvl="3"/>
             <a:r>
-              <a:rPr lang="fr-FR" smtClean="0"/>
+              <a:rPr lang="fr-FR"/>
               <a:t>Quatrième niveau</a:t>
             </a:r>
           </a:p>
           <a:p>
             <a:pPr lvl="4"/>
             <a:r>
-              <a:rPr lang="fr-FR" smtClean="0"/>
+              <a:rPr lang="fr-FR"/>
               <a:t>Cinquième niveau</a:t>
             </a:r>
-            <a:endParaRPr lang="fr-FR"/>
           </a:p>
         </p:txBody>
       </p:sp>
@@ -1531,7 +1524,7 @@
           <a:p>
             <a:pPr lvl="0"/>
             <a:r>
-              <a:rPr lang="fr-FR" smtClean="0"/>
+              <a:rPr lang="fr-FR"/>
               <a:t>Modifiez les styles du texte du masque</a:t>
             </a:r>
           </a:p>
@@ -1559,38 +1552,37 @@
           <a:p>
             <a:pPr lvl="0"/>
             <a:r>
-              <a:rPr lang="fr-FR" smtClean="0"/>
+              <a:rPr lang="fr-FR"/>
               <a:t>Modifiez les styles du texte du masque</a:t>
             </a:r>
           </a:p>
           <a:p>
             <a:pPr lvl="1"/>
             <a:r>
-              <a:rPr lang="fr-FR" smtClean="0"/>
+              <a:rPr lang="fr-FR"/>
               <a:t>Deuxième niveau</a:t>
             </a:r>
           </a:p>
           <a:p>
             <a:pPr lvl="2"/>
             <a:r>
-              <a:rPr lang="fr-FR" smtClean="0"/>
+              <a:rPr lang="fr-FR"/>
               <a:t>Troisième niveau</a:t>
             </a:r>
           </a:p>
           <a:p>
             <a:pPr lvl="3"/>
             <a:r>
-              <a:rPr lang="fr-FR" smtClean="0"/>
+              <a:rPr lang="fr-FR"/>
               <a:t>Quatrième niveau</a:t>
             </a:r>
           </a:p>
           <a:p>
             <a:pPr lvl="4"/>
             <a:r>
-              <a:rPr lang="fr-FR" smtClean="0"/>
+              <a:rPr lang="fr-FR"/>
               <a:t>Cinquième niveau</a:t>
             </a:r>
-            <a:endParaRPr lang="fr-FR"/>
           </a:p>
         </p:txBody>
       </p:sp>
@@ -1611,7 +1603,7 @@
           <a:p>
             <a:fld id="{5CB64A52-B668-4BDF-ABBD-619ACD66ADAA}" type="datetimeFigureOut">
               <a:rPr lang="fr-FR" smtClean="0"/>
-              <a:t>14/11/2017</a:t>
+              <a:t>19/06/2018</a:t>
             </a:fld>
             <a:endParaRPr lang="fr-FR"/>
           </a:p>
@@ -1705,10 +1697,9 @@
           <a:lstStyle/>
           <a:p>
             <a:r>
-              <a:rPr lang="fr-FR" smtClean="0"/>
+              <a:rPr lang="fr-FR"/>
               <a:t>Modifiez le style du titre</a:t>
             </a:r>
-            <a:endParaRPr lang="fr-FR"/>
           </a:p>
         </p:txBody>
       </p:sp>
@@ -1729,7 +1720,7 @@
           <a:p>
             <a:fld id="{5CB64A52-B668-4BDF-ABBD-619ACD66ADAA}" type="datetimeFigureOut">
               <a:rPr lang="fr-FR" smtClean="0"/>
-              <a:t>14/11/2017</a:t>
+              <a:t>19/06/2018</a:t>
             </a:fld>
             <a:endParaRPr lang="fr-FR"/>
           </a:p>
@@ -1824,7 +1815,7 @@
           <a:p>
             <a:fld id="{5CB64A52-B668-4BDF-ABBD-619ACD66ADAA}" type="datetimeFigureOut">
               <a:rPr lang="fr-FR" smtClean="0"/>
-              <a:t>14/11/2017</a:t>
+              <a:t>19/06/2018</a:t>
             </a:fld>
             <a:endParaRPr lang="fr-FR"/>
           </a:p>
@@ -1927,10 +1918,9 @@
           </a:lstStyle>
           <a:p>
             <a:r>
-              <a:rPr lang="fr-FR" smtClean="0"/>
+              <a:rPr lang="fr-FR"/>
               <a:t>Modifiez le style du titre</a:t>
             </a:r>
-            <a:endParaRPr lang="fr-FR"/>
           </a:p>
         </p:txBody>
       </p:sp>
@@ -1984,38 +1974,37 @@
           <a:p>
             <a:pPr lvl="0"/>
             <a:r>
-              <a:rPr lang="fr-FR" smtClean="0"/>
+              <a:rPr lang="fr-FR"/>
               <a:t>Modifiez les styles du texte du masque</a:t>
             </a:r>
           </a:p>
           <a:p>
             <a:pPr lvl="1"/>
             <a:r>
-              <a:rPr lang="fr-FR" smtClean="0"/>
+              <a:rPr lang="fr-FR"/>
               <a:t>Deuxième niveau</a:t>
             </a:r>
           </a:p>
           <a:p>
             <a:pPr lvl="2"/>
             <a:r>
-              <a:rPr lang="fr-FR" smtClean="0"/>
+              <a:rPr lang="fr-FR"/>
               <a:t>Troisième niveau</a:t>
             </a:r>
           </a:p>
           <a:p>
             <a:pPr lvl="3"/>
             <a:r>
-              <a:rPr lang="fr-FR" smtClean="0"/>
+              <a:rPr lang="fr-FR"/>
               <a:t>Quatrième niveau</a:t>
             </a:r>
           </a:p>
           <a:p>
             <a:pPr lvl="4"/>
             <a:r>
-              <a:rPr lang="fr-FR" smtClean="0"/>
+              <a:rPr lang="fr-FR"/>
               <a:t>Cinquième niveau</a:t>
             </a:r>
-            <a:endParaRPr lang="fr-FR"/>
           </a:p>
         </p:txBody>
       </p:sp>
@@ -2078,7 +2067,7 @@
           <a:p>
             <a:pPr lvl="0"/>
             <a:r>
-              <a:rPr lang="fr-FR" smtClean="0"/>
+              <a:rPr lang="fr-FR"/>
               <a:t>Modifiez les styles du texte du masque</a:t>
             </a:r>
           </a:p>
@@ -2101,7 +2090,7 @@
           <a:p>
             <a:fld id="{5CB64A52-B668-4BDF-ABBD-619ACD66ADAA}" type="datetimeFigureOut">
               <a:rPr lang="fr-FR" smtClean="0"/>
-              <a:t>14/11/2017</a:t>
+              <a:t>19/06/2018</a:t>
             </a:fld>
             <a:endParaRPr lang="fr-FR"/>
           </a:p>
@@ -2204,10 +2193,9 @@
           </a:lstStyle>
           <a:p>
             <a:r>
-              <a:rPr lang="fr-FR" smtClean="0"/>
+              <a:rPr lang="fr-FR"/>
               <a:t>Modifiez le style du titre</a:t>
             </a:r>
-            <a:endParaRPr lang="fr-FR"/>
           </a:p>
         </p:txBody>
       </p:sp>
@@ -2331,7 +2319,7 @@
           <a:p>
             <a:pPr lvl="0"/>
             <a:r>
-              <a:rPr lang="fr-FR" smtClean="0"/>
+              <a:rPr lang="fr-FR"/>
               <a:t>Modifiez les styles du texte du masque</a:t>
             </a:r>
           </a:p>
@@ -2354,7 +2342,7 @@
           <a:p>
             <a:fld id="{5CB64A52-B668-4BDF-ABBD-619ACD66ADAA}" type="datetimeFigureOut">
               <a:rPr lang="fr-FR" smtClean="0"/>
-              <a:t>14/11/2017</a:t>
+              <a:t>19/06/2018</a:t>
             </a:fld>
             <a:endParaRPr lang="fr-FR"/>
           </a:p>
@@ -2463,10 +2451,9 @@
           <a:lstStyle/>
           <a:p>
             <a:r>
-              <a:rPr lang="fr-FR" smtClean="0"/>
+              <a:rPr lang="fr-FR"/>
               <a:t>Modifiez le style du titre</a:t>
             </a:r>
-            <a:endParaRPr lang="fr-FR"/>
           </a:p>
         </p:txBody>
       </p:sp>
@@ -2497,38 +2484,37 @@
           <a:p>
             <a:pPr lvl="0"/>
             <a:r>
-              <a:rPr lang="fr-FR" smtClean="0"/>
+              <a:rPr lang="fr-FR"/>
               <a:t>Modifiez les styles du texte du masque</a:t>
             </a:r>
           </a:p>
           <a:p>
             <a:pPr lvl="1"/>
             <a:r>
-              <a:rPr lang="fr-FR" smtClean="0"/>
+              <a:rPr lang="fr-FR"/>
               <a:t>Deuxième niveau</a:t>
             </a:r>
           </a:p>
           <a:p>
             <a:pPr lvl="2"/>
             <a:r>
-              <a:rPr lang="fr-FR" smtClean="0"/>
+              <a:rPr lang="fr-FR"/>
               <a:t>Troisième niveau</a:t>
             </a:r>
           </a:p>
           <a:p>
             <a:pPr lvl="3"/>
             <a:r>
-              <a:rPr lang="fr-FR" smtClean="0"/>
+              <a:rPr lang="fr-FR"/>
               <a:t>Quatrième niveau</a:t>
             </a:r>
           </a:p>
           <a:p>
             <a:pPr lvl="4"/>
             <a:r>
-              <a:rPr lang="fr-FR" smtClean="0"/>
+              <a:rPr lang="fr-FR"/>
               <a:t>Cinquième niveau</a:t>
             </a:r>
-            <a:endParaRPr lang="fr-FR"/>
           </a:p>
         </p:txBody>
       </p:sp>
@@ -2567,7 +2553,7 @@
           <a:p>
             <a:fld id="{5CB64A52-B668-4BDF-ABBD-619ACD66ADAA}" type="datetimeFigureOut">
               <a:rPr lang="fr-FR" smtClean="0"/>
-              <a:t>14/11/2017</a:t>
+              <a:t>19/06/2018</a:t>
             </a:fld>
             <a:endParaRPr lang="fr-FR"/>
           </a:p>
@@ -2996,20 +2982,20 @@
           <a:p>
             <a:pPr algn="ctr"/>
             <a:r>
-              <a:rPr lang="en-US" b="1" dirty="0" smtClean="0"/>
+              <a:rPr lang="en-US" b="1" dirty="0"/>
               <a:t>JAR hell</a:t>
             </a:r>
           </a:p>
           <a:p>
-            <a:endParaRPr lang="en-US" dirty="0" smtClean="0"/>
-          </a:p>
-          <a:p>
-            <a:pPr marL="285750" indent="-285750">
-              <a:buFont typeface="Arial" panose="020B0604020202020204" pitchFamily="34" charset="0"/>
-              <a:buChar char="•"/>
-            </a:pPr>
-            <a:r>
-              <a:rPr lang="en-US" dirty="0" smtClean="0"/>
+            <a:endParaRPr lang="en-US" dirty="0"/>
+          </a:p>
+          <a:p>
+            <a:pPr marL="285750" indent="-285750">
+              <a:buFont typeface="Arial" panose="020B0604020202020204" pitchFamily="34" charset="0"/>
+              <a:buChar char="•"/>
+            </a:pPr>
+            <a:r>
+              <a:rPr lang="en-US" dirty="0"/>
               <a:t>Public type in one package is visible to all packages</a:t>
             </a:r>
           </a:p>
@@ -3026,7 +3012,7 @@
               <a:buChar char="•"/>
             </a:pPr>
             <a:r>
-              <a:rPr lang="en-US" dirty="0" smtClean="0"/>
+              <a:rPr lang="en-US" dirty="0"/>
               <a:t>Conflicts if two different JARs have same package / types name (first-in)</a:t>
             </a:r>
           </a:p>
@@ -3043,7 +3029,7 @@
               <a:buChar char="•"/>
             </a:pPr>
             <a:r>
-              <a:rPr lang="en-US" dirty="0" smtClean="0"/>
+              <a:rPr lang="en-US" dirty="0"/>
               <a:t>Package-visible type can be accessed by a type located in other JAR having the same package name</a:t>
             </a:r>
           </a:p>
@@ -3060,7 +3046,7 @@
               <a:buChar char="•"/>
             </a:pPr>
             <a:r>
-              <a:rPr lang="en-US" dirty="0" smtClean="0"/>
+              <a:rPr lang="en-US" dirty="0"/>
               <a:t>Runtime errors when missing types (delayed detection)</a:t>
             </a:r>
           </a:p>
@@ -3076,7 +3062,7 @@
               <a:buFont typeface="Arial" panose="020B0604020202020204" pitchFamily="34" charset="0"/>
               <a:buChar char="•"/>
             </a:pPr>
-            <a:endParaRPr lang="en-US" dirty="0" smtClean="0"/>
+            <a:endParaRPr lang="en-US" dirty="0"/>
           </a:p>
           <a:p>
             <a:endParaRPr lang="en-US" dirty="0"/>
@@ -3093,13 +3079,6 @@
   <p:clrMapOvr>
     <a:masterClrMapping/>
   </p:clrMapOvr>
-  <p:timing>
-    <p:tnLst>
-      <p:par>
-        <p:cTn id="1" dur="indefinite" restart="never" nodeType="tmRoot"/>
-      </p:par>
-    </p:tnLst>
-  </p:timing>
 </p:sld>
 </file>
 
@@ -3144,16 +3123,9 @@
           <a:p>
             <a:pPr algn="ctr"/>
             <a:r>
-              <a:rPr lang="en-US" b="1" dirty="0" smtClean="0"/>
+              <a:rPr lang="en-US" b="1" dirty="0"/>
               <a:t>Motivation</a:t>
             </a:r>
-            <a:endParaRPr lang="en-US" dirty="0" smtClean="0"/>
-          </a:p>
-          <a:p>
-            <a:pPr marL="285750" indent="-285750">
-              <a:buFont typeface="Arial" panose="020B0604020202020204" pitchFamily="34" charset="0"/>
-              <a:buChar char="•"/>
-            </a:pPr>
             <a:endParaRPr lang="en-US" dirty="0"/>
           </a:p>
           <a:p>
@@ -3161,8 +3133,15 @@
               <a:buFont typeface="Arial" panose="020B0604020202020204" pitchFamily="34" charset="0"/>
               <a:buChar char="•"/>
             </a:pPr>
-            <a:r>
-              <a:rPr lang="en-US" dirty="0" smtClean="0"/>
+            <a:endParaRPr lang="en-US" dirty="0"/>
+          </a:p>
+          <a:p>
+            <a:pPr marL="285750" indent="-285750">
+              <a:buFont typeface="Arial" panose="020B0604020202020204" pitchFamily="34" charset="0"/>
+              <a:buChar char="•"/>
+            </a:pPr>
+            <a:r>
+              <a:rPr lang="en-US" dirty="0"/>
               <a:t>Strong encapsulation (accessibility / visibility of types)</a:t>
             </a:r>
           </a:p>
@@ -3179,24 +3158,23 @@
               <a:buChar char="•"/>
             </a:pPr>
             <a:r>
-              <a:rPr lang="en-US" dirty="0" smtClean="0"/>
+              <a:rPr lang="en-US" dirty="0"/>
               <a:t>Reliable configuration (explicit dependency, fail fast on runtime)</a:t>
             </a:r>
           </a:p>
           <a:p>
             <a:r>
-              <a:rPr lang="en-US" dirty="0" smtClean="0"/>
+              <a:rPr lang="en-US" dirty="0"/>
               <a:t> </a:t>
             </a:r>
-            <a:endParaRPr lang="en-US" dirty="0"/>
-          </a:p>
-          <a:p>
-            <a:pPr marL="285750" indent="-285750">
-              <a:buFont typeface="Arial" panose="020B0604020202020204" pitchFamily="34" charset="0"/>
-              <a:buChar char="•"/>
-            </a:pPr>
-            <a:r>
-              <a:rPr lang="en-US" dirty="0" smtClean="0"/>
+          </a:p>
+          <a:p>
+            <a:pPr marL="285750" indent="-285750">
+              <a:buFont typeface="Arial" panose="020B0604020202020204" pitchFamily="34" charset="0"/>
+              <a:buChar char="•"/>
+            </a:pPr>
+            <a:r>
+              <a:rPr lang="en-US" dirty="0"/>
               <a:t>Custom runtime image (deploy only needed modules instead of monolithic JDK / JRE)</a:t>
             </a:r>
           </a:p>
@@ -3215,13 +3193,6 @@
   <p:clrMapOvr>
     <a:masterClrMapping/>
   </p:clrMapOvr>
-  <p:timing>
-    <p:tnLst>
-      <p:par>
-        <p:cTn id="1" dur="indefinite" restart="never" nodeType="tmRoot"/>
-      </p:par>
-    </p:tnLst>
-  </p:timing>
 </p:sld>
 </file>
 
@@ -3266,36 +3237,19 @@
           <a:p>
             <a:pPr algn="ctr"/>
             <a:r>
-              <a:rPr lang="en-US" b="1" dirty="0" smtClean="0"/>
+              <a:rPr lang="en-US" b="1" dirty="0"/>
               <a:t>Type Accessibility</a:t>
             </a:r>
-            <a:endParaRPr lang="en-US" dirty="0" smtClean="0"/>
-          </a:p>
-          <a:p>
-            <a:pPr marL="285750" indent="-285750">
-              <a:buFont typeface="Arial" panose="020B0604020202020204" pitchFamily="34" charset="0"/>
-              <a:buChar char="•"/>
-            </a:pPr>
             <a:endParaRPr lang="en-US" dirty="0"/>
           </a:p>
           <a:p>
+            <a:pPr marL="285750" indent="-285750">
+              <a:buFont typeface="Arial" panose="020B0604020202020204" pitchFamily="34" charset="0"/>
+              <a:buChar char="•"/>
+            </a:pPr>
             <a:endParaRPr lang="en-US" dirty="0"/>
           </a:p>
           <a:p>
-            <a:pPr marL="285750" indent="-285750">
-              <a:buFont typeface="Arial" panose="020B0604020202020204" pitchFamily="34" charset="0"/>
-              <a:buChar char="•"/>
-            </a:pPr>
-            <a:r>
-              <a:rPr lang="en-US" dirty="0"/>
-              <a:t>Public only within the defining </a:t>
-            </a:r>
-            <a:r>
-              <a:rPr lang="en-US" dirty="0" smtClean="0"/>
-              <a:t>module (No exports)</a:t>
-            </a:r>
-          </a:p>
-          <a:p>
             <a:endParaRPr lang="en-US" dirty="0"/>
           </a:p>
           <a:p>
@@ -3305,11 +3259,7 @@
             </a:pPr>
             <a:r>
               <a:rPr lang="en-US" dirty="0"/>
-              <a:t>Public only to specific </a:t>
-            </a:r>
-            <a:r>
-              <a:rPr lang="en-US" dirty="0" smtClean="0"/>
-              <a:t>modules (exports to a specific module)</a:t>
+              <a:t>Public only within the defining module (No exports)</a:t>
             </a:r>
           </a:p>
           <a:p>
@@ -3322,18 +3272,10 @@
             </a:pPr>
             <a:r>
               <a:rPr lang="en-US" dirty="0"/>
-              <a:t>Public to </a:t>
-            </a:r>
-            <a:r>
-              <a:rPr lang="en-US" dirty="0" smtClean="0"/>
-              <a:t>everyone (exports)</a:t>
-            </a:r>
-          </a:p>
-          <a:p>
-            <a:pPr marL="285750" indent="-285750">
-              <a:buFont typeface="Arial" panose="020B0604020202020204" pitchFamily="34" charset="0"/>
-              <a:buChar char="•"/>
-            </a:pPr>
+              <a:t>Public only to specific modules (exports to a specific module)</a:t>
+            </a:r>
+          </a:p>
+          <a:p>
             <a:endParaRPr lang="en-US" dirty="0"/>
           </a:p>
           <a:p>
@@ -3343,35 +3285,14 @@
             </a:pPr>
             <a:r>
               <a:rPr lang="en-US" dirty="0"/>
-              <a:t>E</a:t>
-            </a:r>
-            <a:r>
-              <a:rPr lang="en-US" dirty="0" smtClean="0"/>
-              <a:t>xported </a:t>
-            </a:r>
-            <a:r>
-              <a:rPr lang="en-US" dirty="0"/>
-              <a:t>package: </a:t>
-            </a:r>
-            <a:r>
-              <a:rPr lang="en-US" dirty="0" smtClean="0"/>
-              <a:t>access </a:t>
-            </a:r>
-            <a:r>
-              <a:rPr lang="en-US" dirty="0"/>
-              <a:t>to only public types and their public </a:t>
-            </a:r>
-            <a:r>
-              <a:rPr lang="en-US" dirty="0" smtClean="0"/>
-              <a:t>members at </a:t>
-            </a:r>
-            <a:r>
-              <a:rPr lang="en-US" dirty="0"/>
-              <a:t>compile-time and runtime. </a:t>
-            </a:r>
-            <a:endParaRPr lang="en-US" dirty="0" smtClean="0"/>
-          </a:p>
-          <a:p>
+              <a:t>Public to everyone (exports)</a:t>
+            </a:r>
+          </a:p>
+          <a:p>
+            <a:pPr marL="285750" indent="-285750">
+              <a:buFont typeface="Arial" panose="020B0604020202020204" pitchFamily="34" charset="0"/>
+              <a:buChar char="•"/>
+            </a:pPr>
             <a:endParaRPr lang="en-US" dirty="0"/>
           </a:p>
           <a:p>
@@ -3380,22 +3301,22 @@
               <a:buChar char="•"/>
             </a:pPr>
             <a:r>
-              <a:rPr lang="en-US" dirty="0" smtClean="0"/>
-              <a:t>Open </a:t>
-            </a:r>
-            <a:r>
-              <a:rPr lang="en-US" dirty="0"/>
-              <a:t>module: allow deep reflection on all types in all packages in </a:t>
-            </a:r>
-            <a:r>
-              <a:rPr lang="en-US" dirty="0" smtClean="0"/>
-              <a:t>that module </a:t>
-            </a:r>
-            <a:r>
-              <a:rPr lang="en-US" dirty="0"/>
-              <a:t>at runtime (possibility to open only one or more packages).</a:t>
-            </a:r>
-            <a:endParaRPr lang="en-US" dirty="0" smtClean="0"/>
+              <a:rPr lang="en-US" dirty="0"/>
+              <a:t>Exported package: access to only public types and their public members at compile-time and runtime. </a:t>
+            </a:r>
+          </a:p>
+          <a:p>
+            <a:endParaRPr lang="en-US" dirty="0"/>
+          </a:p>
+          <a:p>
+            <a:pPr marL="285750" indent="-285750">
+              <a:buFont typeface="Arial" panose="020B0604020202020204" pitchFamily="34" charset="0"/>
+              <a:buChar char="•"/>
+            </a:pPr>
+            <a:r>
+              <a:rPr lang="en-US" dirty="0"/>
+              <a:t>Open module: allow deep reflection on all types in all packages in that module at runtime (possibility to open only one or more packages).</a:t>
+            </a:r>
           </a:p>
           <a:p>
             <a:endParaRPr lang="en-US" dirty="0"/>
@@ -3412,13 +3333,6 @@
   <p:clrMapOvr>
     <a:masterClrMapping/>
   </p:clrMapOvr>
-  <p:timing>
-    <p:tnLst>
-      <p:par>
-        <p:cTn id="1" dur="indefinite" restart="never" nodeType="tmRoot"/>
-      </p:par>
-    </p:tnLst>
-  </p:timing>
 </p:sld>
 </file>
 
@@ -3462,33 +3376,16 @@
           <a:lstStyle/>
           <a:p>
             <a:pPr algn="ctr"/>
-            <a:endParaRPr lang="en-US" dirty="0" smtClean="0"/>
-          </a:p>
-          <a:p>
-            <a:pPr marL="285750" indent="-285750">
-              <a:buFont typeface="Arial" panose="020B0604020202020204" pitchFamily="34" charset="0"/>
-              <a:buChar char="•"/>
-            </a:pPr>
             <a:endParaRPr lang="en-US" dirty="0"/>
           </a:p>
           <a:p>
+            <a:pPr marL="285750" indent="-285750">
+              <a:buFont typeface="Arial" panose="020B0604020202020204" pitchFamily="34" charset="0"/>
+              <a:buChar char="•"/>
+            </a:pPr>
             <a:endParaRPr lang="en-US" dirty="0"/>
           </a:p>
           <a:p>
-            <a:pPr marL="285750" indent="-285750">
-              <a:buFont typeface="Arial" panose="020B0604020202020204" pitchFamily="34" charset="0"/>
-              <a:buChar char="•"/>
-            </a:pPr>
-            <a:r>
-              <a:rPr lang="en-US" dirty="0"/>
-              <a:t>Public only within the defining </a:t>
-            </a:r>
-            <a:r>
-              <a:rPr lang="en-US" dirty="0" smtClean="0"/>
-              <a:t>module (No exports)</a:t>
-            </a:r>
-          </a:p>
-          <a:p>
             <a:endParaRPr lang="en-US" dirty="0"/>
           </a:p>
           <a:p>
@@ -3498,11 +3395,7 @@
             </a:pPr>
             <a:r>
               <a:rPr lang="en-US" dirty="0"/>
-              <a:t>Public only to specific </a:t>
-            </a:r>
-            <a:r>
-              <a:rPr lang="en-US" dirty="0" smtClean="0"/>
-              <a:t>modules (exports to a specific module)</a:t>
+              <a:t>Public only within the defining module (No exports)</a:t>
             </a:r>
           </a:p>
           <a:p>
@@ -3515,18 +3408,10 @@
             </a:pPr>
             <a:r>
               <a:rPr lang="en-US" dirty="0"/>
-              <a:t>Public to </a:t>
-            </a:r>
-            <a:r>
-              <a:rPr lang="en-US" dirty="0" smtClean="0"/>
-              <a:t>everyone (exports)</a:t>
-            </a:r>
-          </a:p>
-          <a:p>
-            <a:pPr marL="285750" indent="-285750">
-              <a:buFont typeface="Arial" panose="020B0604020202020204" pitchFamily="34" charset="0"/>
-              <a:buChar char="•"/>
-            </a:pPr>
+              <a:t>Public only to specific modules (exports to a specific module)</a:t>
+            </a:r>
+          </a:p>
+          <a:p>
             <a:endParaRPr lang="en-US" dirty="0"/>
           </a:p>
           <a:p>
@@ -3536,35 +3421,14 @@
             </a:pPr>
             <a:r>
               <a:rPr lang="en-US" dirty="0"/>
-              <a:t>E</a:t>
-            </a:r>
-            <a:r>
-              <a:rPr lang="en-US" dirty="0" smtClean="0"/>
-              <a:t>xported </a:t>
-            </a:r>
-            <a:r>
-              <a:rPr lang="en-US" dirty="0"/>
-              <a:t>package: </a:t>
-            </a:r>
-            <a:r>
-              <a:rPr lang="en-US" dirty="0" smtClean="0"/>
-              <a:t>access </a:t>
-            </a:r>
-            <a:r>
-              <a:rPr lang="en-US" dirty="0"/>
-              <a:t>to only public types and their public </a:t>
-            </a:r>
-            <a:r>
-              <a:rPr lang="en-US" dirty="0" smtClean="0"/>
-              <a:t>members at </a:t>
-            </a:r>
-            <a:r>
-              <a:rPr lang="en-US" dirty="0"/>
-              <a:t>compile-time and runtime. </a:t>
-            </a:r>
-            <a:endParaRPr lang="en-US" dirty="0" smtClean="0"/>
-          </a:p>
-          <a:p>
+              <a:t>Public to everyone (exports)</a:t>
+            </a:r>
+          </a:p>
+          <a:p>
+            <a:pPr marL="285750" indent="-285750">
+              <a:buFont typeface="Arial" panose="020B0604020202020204" pitchFamily="34" charset="0"/>
+              <a:buChar char="•"/>
+            </a:pPr>
             <a:endParaRPr lang="en-US" dirty="0"/>
           </a:p>
           <a:p>
@@ -3573,22 +3437,22 @@
               <a:buChar char="•"/>
             </a:pPr>
             <a:r>
-              <a:rPr lang="en-US" dirty="0" smtClean="0"/>
-              <a:t>Open </a:t>
-            </a:r>
-            <a:r>
-              <a:rPr lang="en-US" dirty="0"/>
-              <a:t>module: allow deep reflection on all types in all packages in </a:t>
-            </a:r>
-            <a:r>
-              <a:rPr lang="en-US" dirty="0" smtClean="0"/>
-              <a:t>that module </a:t>
-            </a:r>
-            <a:r>
-              <a:rPr lang="en-US" dirty="0"/>
-              <a:t>at runtime (possibility to open only one or more packages).</a:t>
-            </a:r>
-            <a:endParaRPr lang="en-US" dirty="0" smtClean="0"/>
+              <a:rPr lang="en-US" dirty="0"/>
+              <a:t>Exported package: access to only public types and their public members at compile-time and runtime. </a:t>
+            </a:r>
+          </a:p>
+          <a:p>
+            <a:endParaRPr lang="en-US" dirty="0"/>
+          </a:p>
+          <a:p>
+            <a:pPr marL="285750" indent="-285750">
+              <a:buFont typeface="Arial" panose="020B0604020202020204" pitchFamily="34" charset="0"/>
+              <a:buChar char="•"/>
+            </a:pPr>
+            <a:r>
+              <a:rPr lang="en-US" dirty="0"/>
+              <a:t>Open module: allow deep reflection on all types in all packages in that module at runtime (possibility to open only one or more packages).</a:t>
+            </a:r>
           </a:p>
           <a:p>
             <a:endParaRPr lang="en-US" dirty="0"/>
@@ -3605,13 +3469,528 @@
   <p:clrMapOvr>
     <a:masterClrMapping/>
   </p:clrMapOvr>
-  <p:timing>
-    <p:tnLst>
-      <p:par>
-        <p:cTn id="1" dur="indefinite" restart="never" nodeType="tmRoot"/>
-      </p:par>
-    </p:tnLst>
-  </p:timing>
+</p:sld>
+</file>
+
+<file path=ppt/slides/slide5.xml><?xml version="1.0" encoding="utf-8"?>
+<p:sld xmlns:a="http://schemas.openxmlformats.org/drawingml/2006/main" xmlns:r="http://schemas.openxmlformats.org/officeDocument/2006/relationships" xmlns:p="http://schemas.openxmlformats.org/presentationml/2006/main">
+  <p:cSld>
+    <p:spTree>
+      <p:nvGrpSpPr>
+        <p:cNvPr id="1" name=""/>
+        <p:cNvGrpSpPr/>
+        <p:nvPr/>
+      </p:nvGrpSpPr>
+      <p:grpSpPr>
+        <a:xfrm>
+          <a:off x="0" y="0"/>
+          <a:ext cx="0" cy="0"/>
+          <a:chOff x="0" y="0"/>
+          <a:chExt cx="0" cy="0"/>
+        </a:xfrm>
+      </p:grpSpPr>
+      <p:sp>
+        <p:nvSpPr>
+          <p:cNvPr id="4" name="ZoneTexte 3"/>
+          <p:cNvSpPr txBox="1"/>
+          <p:nvPr/>
+        </p:nvSpPr>
+        <p:spPr>
+          <a:xfrm>
+            <a:off x="925037" y="2318282"/>
+            <a:ext cx="9592056" cy="3139321"/>
+          </a:xfrm>
+          <a:prstGeom prst="rect">
+            <a:avLst/>
+          </a:prstGeom>
+          <a:noFill/>
+        </p:spPr>
+        <p:txBody>
+          <a:bodyPr wrap="square" rtlCol="0">
+            <a:spAutoFit/>
+          </a:bodyPr>
+          <a:lstStyle/>
+          <a:p>
+            <a:endParaRPr lang="en-US" dirty="0"/>
+          </a:p>
+          <a:p>
+            <a:pPr marL="285750" indent="-285750">
+              <a:buFont typeface="Arial" panose="020B0604020202020204" pitchFamily="34" charset="0"/>
+              <a:buChar char="•"/>
+            </a:pPr>
+            <a:r>
+              <a:rPr lang="en-US" dirty="0"/>
+              <a:t>A stream is a sequence of (“infinite”) items produced by a producer and consumed by one or more consumers. </a:t>
+            </a:r>
+            <a:br>
+              <a:rPr lang="en-US" dirty="0"/>
+            </a:br>
+            <a:endParaRPr lang="en-US" dirty="0"/>
+          </a:p>
+          <a:p>
+            <a:pPr marL="285750" indent="-285750">
+              <a:buFont typeface="Arial" panose="020B0604020202020204" pitchFamily="34" charset="0"/>
+              <a:buChar char="•"/>
+            </a:pPr>
+            <a:r>
+              <a:rPr lang="en-US" dirty="0"/>
+              <a:t>Stream-processing classic mechanisms: the pull model and push model.</a:t>
+            </a:r>
+          </a:p>
+          <a:p>
+            <a:pPr marL="285750" indent="-285750">
+              <a:buFont typeface="Arial" panose="020B0604020202020204" pitchFamily="34" charset="0"/>
+              <a:buChar char="•"/>
+            </a:pPr>
+            <a:endParaRPr lang="en-US" dirty="0"/>
+          </a:p>
+          <a:p>
+            <a:pPr marL="285750" indent="-285750">
+              <a:buFont typeface="Arial" panose="020B0604020202020204" pitchFamily="34" charset="0"/>
+              <a:buChar char="•"/>
+            </a:pPr>
+            <a:r>
+              <a:rPr lang="en-US" dirty="0"/>
+              <a:t>These models work great when both the publisher and the subscriber work at the same rate,</a:t>
+            </a:r>
+          </a:p>
+          <a:p>
+            <a:pPr marL="285750" indent="-285750">
+              <a:buFont typeface="Arial" panose="020B0604020202020204" pitchFamily="34" charset="0"/>
+              <a:buChar char="•"/>
+            </a:pPr>
+            <a:endParaRPr lang="en-US" dirty="0"/>
+          </a:p>
+          <a:p>
+            <a:pPr marL="285750" indent="-285750">
+              <a:buFont typeface="Arial" panose="020B0604020202020204" pitchFamily="34" charset="0"/>
+              <a:buChar char="•"/>
+            </a:pPr>
+            <a:r>
+              <a:rPr lang="en-US" dirty="0"/>
+              <a:t>Issues: </a:t>
+            </a:r>
+          </a:p>
+          <a:p>
+            <a:pPr marL="800100" lvl="1" indent="-342900">
+              <a:buFont typeface="+mj-lt"/>
+              <a:buAutoNum type="arabicPeriod"/>
+            </a:pPr>
+            <a:r>
+              <a:rPr lang="en-US" dirty="0"/>
+              <a:t>What if the publisher is faster than the subscriber?</a:t>
+            </a:r>
+          </a:p>
+          <a:p>
+            <a:pPr marL="800100" lvl="1" indent="-342900">
+              <a:buFont typeface="+mj-lt"/>
+              <a:buAutoNum type="arabicPeriod"/>
+            </a:pPr>
+            <a:r>
+              <a:rPr lang="en-US" dirty="0"/>
+              <a:t>How To avoid waiting/blocking if one of both ends (Publisher / Subscriber) is not available</a:t>
+            </a:r>
+          </a:p>
+        </p:txBody>
+      </p:sp>
+      <p:sp>
+        <p:nvSpPr>
+          <p:cNvPr id="2" name="Titre 1">
+            <a:extLst>
+              <a:ext uri="{FF2B5EF4-FFF2-40B4-BE49-F238E27FC236}">
+                <a16:creationId xmlns:a16="http://schemas.microsoft.com/office/drawing/2014/main" id="{7E51A1D7-3A25-4DE5-8249-D550994FA738}"/>
+              </a:ext>
+            </a:extLst>
+          </p:cNvPr>
+          <p:cNvSpPr>
+            <a:spLocks noGrp="1"/>
+          </p:cNvSpPr>
+          <p:nvPr>
+            <p:ph type="ctrTitle"/>
+          </p:nvPr>
+        </p:nvSpPr>
+        <p:spPr>
+          <a:xfrm>
+            <a:off x="1149065" y="699795"/>
+            <a:ext cx="9144000" cy="981367"/>
+          </a:xfrm>
+        </p:spPr>
+        <p:txBody>
+          <a:bodyPr/>
+          <a:lstStyle/>
+          <a:p>
+            <a:r>
+              <a:rPr lang="en-US" dirty="0"/>
+              <a:t>Reactive streams</a:t>
+            </a:r>
+          </a:p>
+        </p:txBody>
+      </p:sp>
+    </p:spTree>
+    <p:extLst>
+      <p:ext uri="{BB962C8B-B14F-4D97-AF65-F5344CB8AC3E}">
+        <p14:creationId xmlns:p14="http://schemas.microsoft.com/office/powerpoint/2010/main" val="2959566144"/>
+      </p:ext>
+    </p:extLst>
+  </p:cSld>
+  <p:clrMapOvr>
+    <a:masterClrMapping/>
+  </p:clrMapOvr>
+</p:sld>
+</file>
+
+<file path=ppt/slides/slide6.xml><?xml version="1.0" encoding="utf-8"?>
+<p:sld xmlns:a="http://schemas.openxmlformats.org/drawingml/2006/main" xmlns:r="http://schemas.openxmlformats.org/officeDocument/2006/relationships" xmlns:p="http://schemas.openxmlformats.org/presentationml/2006/main">
+  <p:cSld>
+    <p:spTree>
+      <p:nvGrpSpPr>
+        <p:cNvPr id="1" name=""/>
+        <p:cNvGrpSpPr/>
+        <p:nvPr/>
+      </p:nvGrpSpPr>
+      <p:grpSpPr>
+        <a:xfrm>
+          <a:off x="0" y="0"/>
+          <a:ext cx="0" cy="0"/>
+          <a:chOff x="0" y="0"/>
+          <a:chExt cx="0" cy="0"/>
+        </a:xfrm>
+      </p:grpSpPr>
+      <p:sp>
+        <p:nvSpPr>
+          <p:cNvPr id="4" name="ZoneTexte 3"/>
+          <p:cNvSpPr txBox="1"/>
+          <p:nvPr/>
+        </p:nvSpPr>
+        <p:spPr>
+          <a:xfrm>
+            <a:off x="925037" y="2318282"/>
+            <a:ext cx="9592056" cy="3139321"/>
+          </a:xfrm>
+          <a:prstGeom prst="rect">
+            <a:avLst/>
+          </a:prstGeom>
+          <a:noFill/>
+        </p:spPr>
+        <p:txBody>
+          <a:bodyPr wrap="square" rtlCol="0">
+            <a:spAutoFit/>
+          </a:bodyPr>
+          <a:lstStyle/>
+          <a:p>
+            <a:endParaRPr lang="en-US" dirty="0"/>
+          </a:p>
+          <a:p>
+            <a:pPr marL="285750" indent="-285750">
+              <a:buFont typeface="Arial" panose="020B0604020202020204" pitchFamily="34" charset="0"/>
+              <a:buChar char="•"/>
+            </a:pPr>
+            <a:r>
+              <a:rPr lang="en-US" dirty="0"/>
+              <a:t>A stream is a sequence of (“infinite”) items produced by a producer and consumed by one or more consumers. </a:t>
+            </a:r>
+            <a:br>
+              <a:rPr lang="en-US" dirty="0"/>
+            </a:br>
+            <a:endParaRPr lang="en-US" dirty="0"/>
+          </a:p>
+          <a:p>
+            <a:pPr marL="285750" indent="-285750">
+              <a:buFont typeface="Arial" panose="020B0604020202020204" pitchFamily="34" charset="0"/>
+              <a:buChar char="•"/>
+            </a:pPr>
+            <a:r>
+              <a:rPr lang="en-US" dirty="0"/>
+              <a:t>Stream-processing classic mechanisms: the pull model and push model.</a:t>
+            </a:r>
+          </a:p>
+          <a:p>
+            <a:pPr marL="285750" indent="-285750">
+              <a:buFont typeface="Arial" panose="020B0604020202020204" pitchFamily="34" charset="0"/>
+              <a:buChar char="•"/>
+            </a:pPr>
+            <a:endParaRPr lang="en-US" dirty="0"/>
+          </a:p>
+          <a:p>
+            <a:pPr marL="285750" indent="-285750">
+              <a:buFont typeface="Arial" panose="020B0604020202020204" pitchFamily="34" charset="0"/>
+              <a:buChar char="•"/>
+            </a:pPr>
+            <a:r>
+              <a:rPr lang="en-US" dirty="0"/>
+              <a:t>These models work great when both the publisher and the subscriber work at the same rate,</a:t>
+            </a:r>
+          </a:p>
+          <a:p>
+            <a:pPr marL="285750" indent="-285750">
+              <a:buFont typeface="Arial" panose="020B0604020202020204" pitchFamily="34" charset="0"/>
+              <a:buChar char="•"/>
+            </a:pPr>
+            <a:endParaRPr lang="en-US" dirty="0"/>
+          </a:p>
+          <a:p>
+            <a:pPr marL="285750" indent="-285750">
+              <a:buFont typeface="Arial" panose="020B0604020202020204" pitchFamily="34" charset="0"/>
+              <a:buChar char="•"/>
+            </a:pPr>
+            <a:r>
+              <a:rPr lang="en-US" dirty="0"/>
+              <a:t>Issues: </a:t>
+            </a:r>
+          </a:p>
+          <a:p>
+            <a:pPr marL="800100" lvl="1" indent="-342900">
+              <a:buFont typeface="+mj-lt"/>
+              <a:buAutoNum type="arabicPeriod"/>
+            </a:pPr>
+            <a:r>
+              <a:rPr lang="en-US" dirty="0"/>
+              <a:t>What if the publisher is faster than the subscriber?</a:t>
+            </a:r>
+          </a:p>
+          <a:p>
+            <a:pPr marL="800100" lvl="1" indent="-342900">
+              <a:buFont typeface="+mj-lt"/>
+              <a:buAutoNum type="arabicPeriod"/>
+            </a:pPr>
+            <a:r>
+              <a:rPr lang="en-US" dirty="0"/>
+              <a:t>How to avoid waiting/blocking if one of both ends (Publisher / Subscriber) is not available?</a:t>
+            </a:r>
+          </a:p>
+        </p:txBody>
+      </p:sp>
+      <p:sp>
+        <p:nvSpPr>
+          <p:cNvPr id="2" name="Titre 1">
+            <a:extLst>
+              <a:ext uri="{FF2B5EF4-FFF2-40B4-BE49-F238E27FC236}">
+                <a16:creationId xmlns:a16="http://schemas.microsoft.com/office/drawing/2014/main" id="{7E51A1D7-3A25-4DE5-8249-D550994FA738}"/>
+              </a:ext>
+            </a:extLst>
+          </p:cNvPr>
+          <p:cNvSpPr>
+            <a:spLocks noGrp="1"/>
+          </p:cNvSpPr>
+          <p:nvPr>
+            <p:ph type="ctrTitle"/>
+          </p:nvPr>
+        </p:nvSpPr>
+        <p:spPr>
+          <a:xfrm>
+            <a:off x="1149065" y="699795"/>
+            <a:ext cx="9144000" cy="981367"/>
+          </a:xfrm>
+        </p:spPr>
+        <p:txBody>
+          <a:bodyPr/>
+          <a:lstStyle/>
+          <a:p>
+            <a:r>
+              <a:rPr lang="en-US" dirty="0"/>
+              <a:t>Reactive streams</a:t>
+            </a:r>
+          </a:p>
+        </p:txBody>
+      </p:sp>
+    </p:spTree>
+    <p:extLst>
+      <p:ext uri="{BB962C8B-B14F-4D97-AF65-F5344CB8AC3E}">
+        <p14:creationId xmlns:p14="http://schemas.microsoft.com/office/powerpoint/2010/main" val="58333553"/>
+      </p:ext>
+    </p:extLst>
+  </p:cSld>
+  <p:clrMapOvr>
+    <a:masterClrMapping/>
+  </p:clrMapOvr>
+</p:sld>
+</file>
+
+<file path=ppt/slides/slide7.xml><?xml version="1.0" encoding="utf-8"?>
+<p:sld xmlns:a="http://schemas.openxmlformats.org/drawingml/2006/main" xmlns:r="http://schemas.openxmlformats.org/officeDocument/2006/relationships" xmlns:p="http://schemas.openxmlformats.org/presentationml/2006/main">
+  <p:cSld>
+    <p:spTree>
+      <p:nvGrpSpPr>
+        <p:cNvPr id="1" name=""/>
+        <p:cNvGrpSpPr/>
+        <p:nvPr/>
+      </p:nvGrpSpPr>
+      <p:grpSpPr>
+        <a:xfrm>
+          <a:off x="0" y="0"/>
+          <a:ext cx="0" cy="0"/>
+          <a:chOff x="0" y="0"/>
+          <a:chExt cx="0" cy="0"/>
+        </a:xfrm>
+      </p:grpSpPr>
+      <p:sp>
+        <p:nvSpPr>
+          <p:cNvPr id="4" name="ZoneTexte 3"/>
+          <p:cNvSpPr txBox="1"/>
+          <p:nvPr/>
+        </p:nvSpPr>
+        <p:spPr>
+          <a:xfrm>
+            <a:off x="925037" y="2066355"/>
+            <a:ext cx="9592056" cy="4524315"/>
+          </a:xfrm>
+          <a:prstGeom prst="rect">
+            <a:avLst/>
+          </a:prstGeom>
+          <a:noFill/>
+        </p:spPr>
+        <p:txBody>
+          <a:bodyPr wrap="square" rtlCol="0">
+            <a:spAutoFit/>
+          </a:bodyPr>
+          <a:lstStyle/>
+          <a:p>
+            <a:pPr marL="285750" indent="-285750">
+              <a:buFont typeface="Arial" panose="020B0604020202020204" pitchFamily="34" charset="0"/>
+              <a:buChar char="•"/>
+            </a:pPr>
+            <a:r>
+              <a:rPr lang="en-US" dirty="0"/>
+              <a:t>Motivation : how to pass a stream of items from a publisher to a subscriber without requiring the publisher to block, or the subscriber to have an unbounded buffer or drop.</a:t>
+            </a:r>
+            <a:br>
+              <a:rPr lang="en-US" dirty="0"/>
+            </a:br>
+            <a:endParaRPr lang="en-US" dirty="0"/>
+          </a:p>
+          <a:p>
+            <a:pPr marL="285750" indent="-285750">
+              <a:buFont typeface="Arial" panose="020B0604020202020204" pitchFamily="34" charset="0"/>
+              <a:buChar char="•"/>
+            </a:pPr>
+            <a:endParaRPr lang="en-US" dirty="0"/>
+          </a:p>
+          <a:p>
+            <a:pPr marL="285750" indent="-285750">
+              <a:buFont typeface="Arial" panose="020B0604020202020204" pitchFamily="34" charset="0"/>
+              <a:buChar char="•"/>
+            </a:pPr>
+            <a:r>
+              <a:rPr lang="en-US" dirty="0"/>
+              <a:t>Reactive Streams started in 2013 as an initiative for providing a standard for </a:t>
+            </a:r>
+            <a:r>
+              <a:rPr lang="en-US" b="1" dirty="0"/>
+              <a:t>asynchronous stream processing</a:t>
+            </a:r>
+            <a:r>
+              <a:rPr lang="en-US" dirty="0"/>
+              <a:t> with </a:t>
+            </a:r>
+            <a:r>
+              <a:rPr lang="en-US" b="1" dirty="0"/>
+              <a:t>non-blocking backpressure</a:t>
+            </a:r>
+            <a:r>
+              <a:rPr lang="en-US" dirty="0"/>
+              <a:t>. </a:t>
+            </a:r>
+          </a:p>
+          <a:p>
+            <a:pPr marL="285750" indent="-285750">
+              <a:buFont typeface="Arial" panose="020B0604020202020204" pitchFamily="34" charset="0"/>
+              <a:buChar char="•"/>
+            </a:pPr>
+            <a:endParaRPr lang="en-US" dirty="0"/>
+          </a:p>
+          <a:p>
+            <a:pPr marL="285750" indent="-285750">
+              <a:buFont typeface="Arial" panose="020B0604020202020204" pitchFamily="34" charset="0"/>
+              <a:buChar char="•"/>
+            </a:pPr>
+            <a:endParaRPr lang="en-US" dirty="0"/>
+          </a:p>
+          <a:p>
+            <a:pPr marL="285750" indent="-285750">
+              <a:buFont typeface="Arial" panose="020B0604020202020204" pitchFamily="34" charset="0"/>
+              <a:buChar char="•"/>
+            </a:pPr>
+            <a:r>
+              <a:rPr lang="en-US" dirty="0"/>
+              <a:t>The subscriber sends an asynchronous request to the publisher for N items. The publisher sends N or fewer items to the subscriber asynchronously. </a:t>
+            </a:r>
+          </a:p>
+          <a:p>
+            <a:pPr marL="285750" indent="-285750">
+              <a:buFont typeface="Arial" panose="020B0604020202020204" pitchFamily="34" charset="0"/>
+              <a:buChar char="•"/>
+            </a:pPr>
+            <a:endParaRPr lang="en-US" dirty="0"/>
+          </a:p>
+          <a:p>
+            <a:pPr marL="285750" indent="-285750">
+              <a:buFont typeface="Arial" panose="020B0604020202020204" pitchFamily="34" charset="0"/>
+              <a:buChar char="•"/>
+            </a:pPr>
+            <a:endParaRPr lang="en-US" dirty="0"/>
+          </a:p>
+          <a:p>
+            <a:pPr marL="285750" indent="-285750">
+              <a:buFont typeface="Arial" panose="020B0604020202020204" pitchFamily="34" charset="0"/>
+              <a:buChar char="•"/>
+            </a:pPr>
+            <a:r>
+              <a:rPr lang="en-US" dirty="0"/>
+              <a:t>Dynamic switch between the pull model and push model: pull model when the subscriber is slower; and push model when the subscriber is faster. </a:t>
+            </a:r>
+            <a:br>
+              <a:rPr lang="en-US" dirty="0"/>
+            </a:br>
+            <a:br>
+              <a:rPr lang="en-US" dirty="0"/>
+            </a:br>
+            <a:endParaRPr lang="en-US" dirty="0"/>
+          </a:p>
+        </p:txBody>
+      </p:sp>
+      <p:sp>
+        <p:nvSpPr>
+          <p:cNvPr id="2" name="Titre 1">
+            <a:extLst>
+              <a:ext uri="{FF2B5EF4-FFF2-40B4-BE49-F238E27FC236}">
+                <a16:creationId xmlns:a16="http://schemas.microsoft.com/office/drawing/2014/main" id="{7E51A1D7-3A25-4DE5-8249-D550994FA738}"/>
+              </a:ext>
+            </a:extLst>
+          </p:cNvPr>
+          <p:cNvSpPr>
+            <a:spLocks noGrp="1"/>
+          </p:cNvSpPr>
+          <p:nvPr>
+            <p:ph type="ctrTitle"/>
+          </p:nvPr>
+        </p:nvSpPr>
+        <p:spPr>
+          <a:xfrm>
+            <a:off x="1149065" y="699795"/>
+            <a:ext cx="9144000" cy="981367"/>
+          </a:xfrm>
+        </p:spPr>
+        <p:txBody>
+          <a:bodyPr/>
+          <a:lstStyle/>
+          <a:p>
+            <a:r>
+              <a:rPr lang="en-US" dirty="0"/>
+              <a:t>Reactive streams</a:t>
+            </a:r>
+          </a:p>
+        </p:txBody>
+      </p:sp>
+    </p:spTree>
+    <p:extLst>
+      <p:ext uri="{BB962C8B-B14F-4D97-AF65-F5344CB8AC3E}">
+        <p14:creationId xmlns:p14="http://schemas.microsoft.com/office/powerpoint/2010/main" val="2864448521"/>
+      </p:ext>
+    </p:extLst>
+  </p:cSld>
+  <p:clrMapOvr>
+    <a:masterClrMapping/>
+  </p:clrMapOvr>
 </p:sld>
 </file>
 
